--- a/Documentation/The_Osos_Journey_to_Valhalla.pptx
+++ b/Documentation/The_Osos_Journey_to_Valhalla.pptx
@@ -109,6 +109,11 @@
       </a:defRPr>
     </a:lvl9pPr>
   </p:defaultTextStyle>
+  <p:extLst>
+    <p:ext uri="{EFAFB233-063F-42B5-8137-9DF3F51BA10A}">
+      <p15:sldGuideLst xmlns:p15="http://schemas.microsoft.com/office/powerpoint/2012/main"/>
+    </p:ext>
+  </p:extLst>
 </p:presentation>
 </file>
 
@@ -282,7 +287,7 @@
             <a:fld id="{87DE6118-2437-4B30-8E3C-4D2BE6020583}" type="datetimeFigureOut">
               <a:rPr lang="en-US" smtClean="0"/>
               <a:pPr/>
-              <a:t>1/12/2023</a:t>
+              <a:t>1/21/2023</a:t>
             </a:fld>
             <a:endParaRPr lang="en-US" dirty="0"/>
           </a:p>
@@ -613,7 +618,7 @@
           <a:p>
             <a:fld id="{87DE6118-2437-4B30-8E3C-4D2BE6020583}" type="datetimeFigureOut">
               <a:rPr lang="en-US" smtClean="0"/>
-              <a:t>1/12/2023</a:t>
+              <a:t>1/21/2023</a:t>
             </a:fld>
             <a:endParaRPr lang="en-US" dirty="0"/>
           </a:p>
@@ -793,7 +798,7 @@
           <a:p>
             <a:fld id="{87DE6118-2437-4B30-8E3C-4D2BE6020583}" type="datetimeFigureOut">
               <a:rPr lang="en-US" smtClean="0"/>
-              <a:t>1/12/2023</a:t>
+              <a:t>1/21/2023</a:t>
             </a:fld>
             <a:endParaRPr lang="en-US" dirty="0"/>
           </a:p>
@@ -963,7 +968,7 @@
           <a:p>
             <a:fld id="{87DE6118-2437-4B30-8E3C-4D2BE6020583}" type="datetimeFigureOut">
               <a:rPr lang="en-US" smtClean="0"/>
-              <a:t>1/12/2023</a:t>
+              <a:t>1/21/2023</a:t>
             </a:fld>
             <a:endParaRPr lang="en-US" dirty="0"/>
           </a:p>
@@ -1241,7 +1246,7 @@
             <a:fld id="{87DE6118-2437-4B30-8E3C-4D2BE6020583}" type="datetimeFigureOut">
               <a:rPr lang="en-US" smtClean="0"/>
               <a:pPr/>
-              <a:t>1/12/2023</a:t>
+              <a:t>1/21/2023</a:t>
             </a:fld>
             <a:endParaRPr lang="en-US" dirty="0"/>
           </a:p>
@@ -1636,7 +1641,7 @@
           <a:p>
             <a:fld id="{87DE6118-2437-4B30-8E3C-4D2BE6020583}" type="datetimeFigureOut">
               <a:rPr lang="en-US" smtClean="0"/>
-              <a:t>1/12/2023</a:t>
+              <a:t>1/21/2023</a:t>
             </a:fld>
             <a:endParaRPr lang="en-US" dirty="0"/>
           </a:p>
@@ -2113,7 +2118,7 @@
           <a:p>
             <a:fld id="{87DE6118-2437-4B30-8E3C-4D2BE6020583}" type="datetimeFigureOut">
               <a:rPr lang="en-US" smtClean="0"/>
-              <a:t>1/12/2023</a:t>
+              <a:t>1/21/2023</a:t>
             </a:fld>
             <a:endParaRPr lang="en-US" dirty="0"/>
           </a:p>
@@ -2231,7 +2236,7 @@
           <a:p>
             <a:fld id="{87DE6118-2437-4B30-8E3C-4D2BE6020583}" type="datetimeFigureOut">
               <a:rPr lang="en-US" smtClean="0"/>
-              <a:t>1/12/2023</a:t>
+              <a:t>1/21/2023</a:t>
             </a:fld>
             <a:endParaRPr lang="en-US" dirty="0"/>
           </a:p>
@@ -2326,7 +2331,7 @@
           <a:p>
             <a:fld id="{87DE6118-2437-4B30-8E3C-4D2BE6020583}" type="datetimeFigureOut">
               <a:rPr lang="en-US" smtClean="0"/>
-              <a:t>1/12/2023</a:t>
+              <a:t>1/21/2023</a:t>
             </a:fld>
             <a:endParaRPr lang="en-US" dirty="0"/>
           </a:p>
@@ -2673,7 +2678,7 @@
             <a:fld id="{87DE6118-2437-4B30-8E3C-4D2BE6020583}" type="datetimeFigureOut">
               <a:rPr lang="en-US" smtClean="0"/>
               <a:pPr/>
-              <a:t>1/12/2023</a:t>
+              <a:t>1/21/2023</a:t>
             </a:fld>
             <a:endParaRPr lang="en-US" dirty="0"/>
           </a:p>
@@ -3063,7 +3068,7 @@
             <a:fld id="{87DE6118-2437-4B30-8E3C-4D2BE6020583}" type="datetimeFigureOut">
               <a:rPr lang="en-US" smtClean="0"/>
               <a:pPr/>
-              <a:t>1/12/2023</a:t>
+              <a:t>1/21/2023</a:t>
             </a:fld>
             <a:endParaRPr lang="en-US" dirty="0"/>
           </a:p>
@@ -3343,7 +3348,7 @@
             <a:fld id="{87DE6118-2437-4B30-8E3C-4D2BE6020583}" type="datetimeFigureOut">
               <a:rPr lang="en-US" smtClean="0"/>
               <a:pPr/>
-              <a:t>1/12/2023</a:t>
+              <a:t>1/21/2023</a:t>
             </a:fld>
             <a:endParaRPr lang="en-US" dirty="0"/>
           </a:p>
@@ -3879,7 +3884,7 @@
           <a:p>
             <a:r>
               <a:rPr lang="ru-RU" cap="none" dirty="0"/>
-              <a:t>Приключения </a:t>
+              <a:t>Путешествие </a:t>
             </a:r>
             <a:r>
               <a:rPr lang="ru-RU" cap="none" dirty="0" err="1"/>
@@ -3926,7 +3931,7 @@
             </a:pPr>
             <a:r>
               <a:rPr lang="ru-RU" dirty="0"/>
-              <a:t>Захаров Максим   </a:t>
+              <a:t>Захаров Максим (ничего не делал)  </a:t>
             </a:r>
           </a:p>
           <a:p>
@@ -4272,16 +4277,8 @@
           <a:p>
             <a:pPr lvl="1"/>
             <a:r>
-              <a:rPr lang="en-US" dirty="0" err="1"/>
-              <a:t>Midgardr</a:t>
-            </a:r>
-            <a:endParaRPr lang="ru-RU" dirty="0"/>
-          </a:p>
-          <a:p>
-            <a:pPr lvl="1"/>
-            <a:r>
-              <a:rPr lang="en-US" dirty="0" err="1"/>
-              <a:t>Jotunheimr</a:t>
+              <a:rPr lang="en-US" dirty="0"/>
+              <a:t>Midgard</a:t>
             </a:r>
             <a:endParaRPr lang="ru-RU" dirty="0"/>
           </a:p>
@@ -4297,7 +4294,15 @@
             <a:pPr lvl="1"/>
             <a:r>
               <a:rPr lang="en-US" dirty="0" err="1"/>
-              <a:t>Valhall</a:t>
+              <a:t>FinalBoss</a:t>
+            </a:r>
+            <a:endParaRPr lang="ru-RU" dirty="0"/>
+          </a:p>
+          <a:p>
+            <a:pPr lvl="1"/>
+            <a:r>
+              <a:rPr lang="en-US" dirty="0"/>
+              <a:t>Valhalla</a:t>
             </a:r>
             <a:endParaRPr lang="ru-RU" dirty="0"/>
           </a:p>
@@ -4458,12 +4463,6 @@
           <a:p>
             <a:r>
               <a:rPr lang="ru-RU" dirty="0"/>
-              <a:t>В сундуках может лежать броня и ключи для открытия порталов</a:t>
-            </a:r>
-          </a:p>
-          <a:p>
-            <a:r>
-              <a:rPr lang="ru-RU" dirty="0"/>
               <a:t>Враги зависят от локации</a:t>
             </a:r>
           </a:p>
@@ -4567,8 +4566,8 @@
         </p:nvSpPr>
         <p:spPr>
           <a:xfrm>
-            <a:off x="1371600" y="1902941"/>
-            <a:ext cx="9601200" cy="3964459"/>
+            <a:off x="1371600" y="1902942"/>
+            <a:ext cx="9601200" cy="1772706"/>
           </a:xfrm>
         </p:spPr>
         <p:txBody>
@@ -4618,6 +4617,36 @@
           </a:p>
         </p:txBody>
       </p:sp>
+      <p:pic>
+        <p:nvPicPr>
+          <p:cNvPr id="4" name="Рисунок 3">
+            <a:extLst>
+              <a:ext uri="{FF2B5EF4-FFF2-40B4-BE49-F238E27FC236}">
+                <a16:creationId xmlns:a16="http://schemas.microsoft.com/office/drawing/2014/main" id="{798BCFF1-2C2C-D692-C1A1-79116B188471}"/>
+              </a:ext>
+            </a:extLst>
+          </p:cNvPr>
+          <p:cNvPicPr>
+            <a:picLocks noChangeAspect="1"/>
+          </p:cNvPicPr>
+          <p:nvPr/>
+        </p:nvPicPr>
+        <p:blipFill>
+          <a:blip r:embed="rId2"/>
+          <a:stretch>
+            <a:fillRect/>
+          </a:stretch>
+        </p:blipFill>
+        <p:spPr>
+          <a:xfrm>
+            <a:off x="8401050" y="3675648"/>
+            <a:ext cx="2571750" cy="2571750"/>
+          </a:xfrm>
+          <a:prstGeom prst="rect">
+            <a:avLst/>
+          </a:prstGeom>
+        </p:spPr>
+      </p:pic>
     </p:spTree>
     <p:extLst>
       <p:ext uri="{BB962C8B-B14F-4D97-AF65-F5344CB8AC3E}">

--- a/Documentation/The_Osos_Journey_to_Valhalla.pptx
+++ b/Documentation/The_Osos_Journey_to_Valhalla.pptx
@@ -3931,7 +3931,7 @@
             </a:pPr>
             <a:r>
               <a:rPr lang="ru-RU" dirty="0"/>
-              <a:t>Захаров Максим (ничего не делал)  </a:t>
+              <a:t>Золотовицкий Михаил</a:t>
             </a:r>
           </a:p>
           <a:p>
@@ -3941,7 +3941,7 @@
             </a:pPr>
             <a:r>
               <a:rPr lang="ru-RU" dirty="0"/>
-              <a:t>Золотовицкий Михаил</a:t>
+              <a:t>Юдин Валентин </a:t>
             </a:r>
           </a:p>
           <a:p>
@@ -3951,7 +3951,7 @@
             </a:pPr>
             <a:r>
               <a:rPr lang="ru-RU" dirty="0"/>
-              <a:t>Юдин Валентин                                         </a:t>
+              <a:t>Захаров Максим                                       </a:t>
             </a:r>
           </a:p>
         </p:txBody>
